--- a/Documentação/ApresentaçãoSprint4.pptx
+++ b/Documentação/ApresentaçãoSprint4.pptx
@@ -17,11 +17,12 @@
     <p:sldId id="263" r:id="rId11"/>
     <p:sldId id="268" r:id="rId12"/>
     <p:sldId id="266" r:id="rId13"/>
-    <p:sldId id="271" r:id="rId14"/>
-    <p:sldId id="270" r:id="rId15"/>
-    <p:sldId id="269" r:id="rId16"/>
-    <p:sldId id="272" r:id="rId17"/>
-    <p:sldId id="275" r:id="rId18"/>
+    <p:sldId id="276" r:id="rId14"/>
+    <p:sldId id="271" r:id="rId15"/>
+    <p:sldId id="270" r:id="rId16"/>
+    <p:sldId id="269" r:id="rId17"/>
+    <p:sldId id="272" r:id="rId18"/>
+    <p:sldId id="275" r:id="rId19"/>
   </p:sldIdLst>
   <p:sldSz cx="12192000" cy="6858000"/>
   <p:notesSz cx="6858000" cy="9144000"/>
@@ -131,6 +132,7 @@
 <file path=ppt/revisionInfo.xml><?xml version="1.0" encoding="utf-8"?>
 <p1510:revInfo xmlns:a="http://schemas.openxmlformats.org/drawingml/2006/main" xmlns:r="http://schemas.openxmlformats.org/officeDocument/2006/relationships" xmlns:p1510="http://schemas.microsoft.com/office/powerpoint/2015/10/main">
   <p1510:revLst>
+    <p1510:client id="{1BE39FFE-2EE6-464F-8B06-02CB5540AE4F}" v="54" dt="2022-09-05T17:50:50.939"/>
     <p1510:client id="{522553BF-8125-450C-A2B2-DBAA494FE37C}" v="114" dt="2022-09-04T00:51:13.115"/>
     <p1510:client id="{8A6B44AC-5438-4F3C-BAB8-A47857059616}" v="1065" dt="2022-09-03T20:14:52.691"/>
     <p1510:client id="{955B85E0-34C8-4F4B-A511-04E65EAAE565}" v="202" dt="2022-09-05T14:31:25.424"/>
@@ -5014,7 +5016,7 @@
         <p:spPr>
           <a:xfrm>
             <a:off x="4690457" y="292089"/>
-            <a:ext cx="2811083" cy="523220"/>
+            <a:ext cx="3328667" cy="523220"/>
           </a:xfrm>
           <a:prstGeom prst="rect">
             <a:avLst/>
@@ -5122,66 +5124,55 @@
           </a:lstStyle>
           <a:p>
             <a:r>
-              <a:rPr lang="pt-BR" sz="2800" b="1">
-                <a:latin typeface="Arial" panose="020B0604020202020204" pitchFamily="34" charset="0"/>
-                <a:cs typeface="Arial" panose="020B0604020202020204" pitchFamily="34" charset="0"/>
+              <a:rPr lang="pt-BR" sz="2800" b="1" dirty="0">
+                <a:latin typeface="Arial"/>
+                <a:cs typeface="Arial"/>
               </a:rPr>
-              <a:t>CLIENT LINUX</a:t>
+              <a:t>VIRTUALIZAÇÃO</a:t>
             </a:r>
           </a:p>
         </p:txBody>
       </p:sp>
       <p:pic>
         <p:nvPicPr>
-          <p:cNvPr id="2" name="Picture 2" descr="Vetor PNG E SVG Transparente De Logotipo Do Linux">
-            <a:extLst>
-              <a:ext uri="{FF2B5EF4-FFF2-40B4-BE49-F238E27FC236}">
-                <a16:creationId xmlns:a16="http://schemas.microsoft.com/office/drawing/2014/main" id="{B66866A0-004D-A5AD-FA41-C075E8A9BC68}"/>
+          <p:cNvPr id="3" name="Picture 3" descr="A picture containing text, businesscard, screenshot&#10;&#10;Description automatically generated">
+            <a:extLst>
+              <a:ext uri="{FF2B5EF4-FFF2-40B4-BE49-F238E27FC236}">
+                <a16:creationId xmlns:a16="http://schemas.microsoft.com/office/drawing/2014/main" id="{53FDA9AA-6CC9-11C1-87A9-09C2023A718F}"/>
               </a:ext>
             </a:extLst>
           </p:cNvPr>
           <p:cNvPicPr>
-            <a:picLocks noChangeAspect="1" noChangeArrowheads="1"/>
+            <a:picLocks noChangeAspect="1"/>
           </p:cNvPicPr>
           <p:nvPr/>
         </p:nvPicPr>
-        <p:blipFill>
-          <a:blip r:embed="rId2">
-            <a:extLst>
-              <a:ext uri="{28A0092B-C50C-407E-A947-70E740481C1C}">
-                <a14:useLocalDpi xmlns:a14="http://schemas.microsoft.com/office/drawing/2010/main" val="0"/>
-              </a:ext>
-            </a:extLst>
-          </a:blip>
-          <a:srcRect/>
-          <a:stretch>
-            <a:fillRect/>
-          </a:stretch>
+        <p:blipFill rotWithShape="1">
+          <a:blip r:embed="rId2"/>
+          <a:srcRect r="151" b="11831"/>
+          <a:stretch/>
         </p:blipFill>
-        <p:spPr bwMode="auto">
+        <p:spPr>
           <a:xfrm>
-            <a:off x="3804423" y="1647528"/>
-            <a:ext cx="4583151" cy="4583151"/>
+            <a:off x="1618892" y="1630340"/>
+            <a:ext cx="9500567" cy="4502746"/>
           </a:xfrm>
           <a:prstGeom prst="rect">
             <a:avLst/>
           </a:prstGeom>
-          <a:noFill/>
-          <a:extLst>
-            <a:ext uri="{909E8E84-426E-40DD-AFC4-6F175D3DCCD1}">
-              <a14:hiddenFill xmlns:a14="http://schemas.microsoft.com/office/drawing/2010/main">
-                <a:solidFill>
-                  <a:srgbClr val="FFFFFF"/>
-                </a:solidFill>
-              </a14:hiddenFill>
-            </a:ext>
-          </a:extLst>
+          <a:ln>
+            <a:solidFill>
+              <a:schemeClr val="bg1">
+                <a:lumMod val="95000"/>
+              </a:schemeClr>
+            </a:solidFill>
+          </a:ln>
         </p:spPr>
       </p:pic>
     </p:spTree>
     <p:extLst>
       <p:ext uri="{BB962C8B-B14F-4D97-AF65-F5344CB8AC3E}">
-        <p14:creationId xmlns:p14="http://schemas.microsoft.com/office/powerpoint/2010/main" val="3216337654"/>
+        <p14:creationId xmlns:p14="http://schemas.microsoft.com/office/powerpoint/2010/main" val="3200266765"/>
       </p:ext>
     </p:extLst>
   </p:cSld>
@@ -5415,8 +5406,8 @@
         </p:nvSpPr>
         <p:spPr>
           <a:xfrm>
-            <a:off x="5253983" y="292089"/>
-            <a:ext cx="1684032" cy="523220"/>
+            <a:off x="4690457" y="292089"/>
+            <a:ext cx="2811083" cy="523220"/>
           </a:xfrm>
           <a:prstGeom prst="rect">
             <a:avLst/>
@@ -5528,17 +5519,17 @@
                 <a:latin typeface="Arial" panose="020B0604020202020204" pitchFamily="34" charset="0"/>
                 <a:cs typeface="Arial" panose="020B0604020202020204" pitchFamily="34" charset="0"/>
               </a:rPr>
-              <a:t>PYTHON</a:t>
+              <a:t>CLIENT LINUX</a:t>
             </a:r>
           </a:p>
         </p:txBody>
       </p:sp>
       <p:pic>
         <p:nvPicPr>
-          <p:cNvPr id="2052" name="Picture 4" descr="Logotipo Python PNG transparente - StickPNG">
-            <a:extLst>
-              <a:ext uri="{FF2B5EF4-FFF2-40B4-BE49-F238E27FC236}">
-                <a16:creationId xmlns:a16="http://schemas.microsoft.com/office/drawing/2014/main" id="{9FEBF7CA-B795-A8B7-7BBA-46F784596012}"/>
+          <p:cNvPr id="2" name="Picture 2" descr="Vetor PNG E SVG Transparente De Logotipo Do Linux">
+            <a:extLst>
+              <a:ext uri="{FF2B5EF4-FFF2-40B4-BE49-F238E27FC236}">
+                <a16:creationId xmlns:a16="http://schemas.microsoft.com/office/drawing/2014/main" id="{B66866A0-004D-A5AD-FA41-C075E8A9BC68}"/>
               </a:ext>
             </a:extLst>
           </p:cNvPr>
@@ -5562,8 +5553,8 @@
         </p:blipFill>
         <p:spPr bwMode="auto">
           <a:xfrm>
-            <a:off x="4076178" y="1895945"/>
-            <a:ext cx="4039644" cy="4023925"/>
+            <a:off x="3804423" y="1647528"/>
+            <a:ext cx="4583151" cy="4583151"/>
           </a:xfrm>
           <a:prstGeom prst="rect">
             <a:avLst/>
@@ -5583,7 +5574,7 @@
     </p:spTree>
     <p:extLst>
       <p:ext uri="{BB962C8B-B14F-4D97-AF65-F5344CB8AC3E}">
-        <p14:creationId xmlns:p14="http://schemas.microsoft.com/office/powerpoint/2010/main" val="1363802264"/>
+        <p14:creationId xmlns:p14="http://schemas.microsoft.com/office/powerpoint/2010/main" val="3216337654"/>
       </p:ext>
     </p:extLst>
   </p:cSld>
@@ -5817,8 +5808,8 @@
         </p:nvSpPr>
         <p:spPr>
           <a:xfrm>
-            <a:off x="5307147" y="292089"/>
-            <a:ext cx="1577706" cy="523220"/>
+            <a:off x="5253983" y="292089"/>
+            <a:ext cx="1684032" cy="523220"/>
           </a:xfrm>
           <a:prstGeom prst="rect">
             <a:avLst/>
@@ -5930,17 +5921,17 @@
                 <a:latin typeface="Arial" panose="020B0604020202020204" pitchFamily="34" charset="0"/>
                 <a:cs typeface="Arial" panose="020B0604020202020204" pitchFamily="34" charset="0"/>
               </a:rPr>
-              <a:t>SLACK</a:t>
+              <a:t>PYTHON</a:t>
             </a:r>
           </a:p>
         </p:txBody>
       </p:sp>
       <p:pic>
         <p:nvPicPr>
-          <p:cNvPr id="5122" name="Picture 2" descr="Slack - ícones de mídia social grátis">
-            <a:extLst>
-              <a:ext uri="{FF2B5EF4-FFF2-40B4-BE49-F238E27FC236}">
-                <a16:creationId xmlns:a16="http://schemas.microsoft.com/office/drawing/2014/main" id="{1BD2CEF5-0ACB-B62C-264E-899B8A498121}"/>
+          <p:cNvPr id="2052" name="Picture 4" descr="Logotipo Python PNG transparente - StickPNG">
+            <a:extLst>
+              <a:ext uri="{FF2B5EF4-FFF2-40B4-BE49-F238E27FC236}">
+                <a16:creationId xmlns:a16="http://schemas.microsoft.com/office/drawing/2014/main" id="{9FEBF7CA-B795-A8B7-7BBA-46F784596012}"/>
               </a:ext>
             </a:extLst>
           </p:cNvPr>
@@ -5964,8 +5955,8 @@
         </p:blipFill>
         <p:spPr bwMode="auto">
           <a:xfrm>
-            <a:off x="4616074" y="2511482"/>
-            <a:ext cx="2945779" cy="2945779"/>
+            <a:off x="4076178" y="1895945"/>
+            <a:ext cx="4039644" cy="4023925"/>
           </a:xfrm>
           <a:prstGeom prst="rect">
             <a:avLst/>
@@ -5985,7 +5976,7 @@
     </p:spTree>
     <p:extLst>
       <p:ext uri="{BB962C8B-B14F-4D97-AF65-F5344CB8AC3E}">
-        <p14:creationId xmlns:p14="http://schemas.microsoft.com/office/powerpoint/2010/main" val="1550547323"/>
+        <p14:creationId xmlns:p14="http://schemas.microsoft.com/office/powerpoint/2010/main" val="1363802264"/>
       </p:ext>
     </p:extLst>
   </p:cSld>
@@ -6086,7 +6077,7 @@
         </p:nvSpPr>
         <p:spPr>
           <a:xfrm>
-            <a:off x="0" y="0"/>
+            <a:off x="-1" y="0"/>
             <a:ext cx="12192000" cy="1107399"/>
           </a:xfrm>
           <a:prstGeom prst="rect">
@@ -6219,8 +6210,8 @@
         </p:nvSpPr>
         <p:spPr>
           <a:xfrm>
-            <a:off x="4944514" y="292089"/>
-            <a:ext cx="2302971" cy="523220"/>
+            <a:off x="5307147" y="292089"/>
+            <a:ext cx="1577706" cy="523220"/>
           </a:xfrm>
           <a:prstGeom prst="rect">
             <a:avLst/>
@@ -6332,17 +6323,17 @@
                 <a:latin typeface="Arial" panose="020B0604020202020204" pitchFamily="34" charset="0"/>
                 <a:cs typeface="Arial" panose="020B0604020202020204" pitchFamily="34" charset="0"/>
               </a:rPr>
-              <a:t>INOVAÇÕES</a:t>
+              <a:t>SLACK</a:t>
             </a:r>
           </a:p>
         </p:txBody>
       </p:sp>
       <p:pic>
         <p:nvPicPr>
-          <p:cNvPr id="4100" name="Picture 4">
-            <a:extLst>
-              <a:ext uri="{FF2B5EF4-FFF2-40B4-BE49-F238E27FC236}">
-                <a16:creationId xmlns:a16="http://schemas.microsoft.com/office/drawing/2014/main" id="{D35EE49E-E1D3-1B2A-C69C-33A96F5B4989}"/>
+          <p:cNvPr id="5122" name="Picture 2" descr="Slack - ícones de mídia social grátis">
+            <a:extLst>
+              <a:ext uri="{FF2B5EF4-FFF2-40B4-BE49-F238E27FC236}">
+                <a16:creationId xmlns:a16="http://schemas.microsoft.com/office/drawing/2014/main" id="{1BD2CEF5-0ACB-B62C-264E-899B8A498121}"/>
               </a:ext>
             </a:extLst>
           </p:cNvPr>
@@ -6366,8 +6357,8 @@
         </p:blipFill>
         <p:spPr bwMode="auto">
           <a:xfrm>
-            <a:off x="3555348" y="4421327"/>
-            <a:ext cx="1724722" cy="1724722"/>
+            <a:off x="4616074" y="2511482"/>
+            <a:ext cx="2945779" cy="2945779"/>
           </a:xfrm>
           <a:prstGeom prst="rect">
             <a:avLst/>
@@ -6384,260 +6375,10 @@
           </a:extLst>
         </p:spPr>
       </p:pic>
-      <p:pic>
-        <p:nvPicPr>
-          <p:cNvPr id="4102" name="Picture 6">
-            <a:extLst>
-              <a:ext uri="{FF2B5EF4-FFF2-40B4-BE49-F238E27FC236}">
-                <a16:creationId xmlns:a16="http://schemas.microsoft.com/office/drawing/2014/main" id="{4D114401-A74C-FEB4-4716-88541316F61C}"/>
-              </a:ext>
-            </a:extLst>
-          </p:cNvPr>
-          <p:cNvPicPr>
-            <a:picLocks noChangeAspect="1" noChangeArrowheads="1"/>
-          </p:cNvPicPr>
-          <p:nvPr/>
-        </p:nvPicPr>
-        <p:blipFill>
-          <a:blip r:embed="rId3">
-            <a:extLst>
-              <a:ext uri="{28A0092B-C50C-407E-A947-70E740481C1C}">
-                <a14:useLocalDpi xmlns:a14="http://schemas.microsoft.com/office/drawing/2010/main" val="0"/>
-              </a:ext>
-            </a:extLst>
-          </a:blip>
-          <a:srcRect/>
-          <a:stretch>
-            <a:fillRect/>
-          </a:stretch>
-        </p:blipFill>
-        <p:spPr bwMode="auto">
-          <a:xfrm>
-            <a:off x="864648" y="4127256"/>
-            <a:ext cx="2404946" cy="2404946"/>
-          </a:xfrm>
-          <a:prstGeom prst="rect">
-            <a:avLst/>
-          </a:prstGeom>
-          <a:noFill/>
-          <a:extLst>
-            <a:ext uri="{909E8E84-426E-40DD-AFC4-6F175D3DCCD1}">
-              <a14:hiddenFill xmlns:a14="http://schemas.microsoft.com/office/drawing/2010/main">
-                <a:solidFill>
-                  <a:srgbClr val="FFFFFF"/>
-                </a:solidFill>
-              </a14:hiddenFill>
-            </a:ext>
-          </a:extLst>
-        </p:spPr>
-      </p:pic>
-      <p:sp>
-        <p:nvSpPr>
-          <p:cNvPr id="3" name="CaixaDeTexto 2">
-            <a:extLst>
-              <a:ext uri="{FF2B5EF4-FFF2-40B4-BE49-F238E27FC236}">
-                <a16:creationId xmlns:a16="http://schemas.microsoft.com/office/drawing/2014/main" id="{A5619602-24C3-E4A0-B7C5-79008E9727C9}"/>
-              </a:ext>
-            </a:extLst>
-          </p:cNvPr>
-          <p:cNvSpPr txBox="1"/>
-          <p:nvPr/>
-        </p:nvSpPr>
-        <p:spPr>
-          <a:xfrm>
-            <a:off x="737401" y="1629947"/>
-            <a:ext cx="10625691" cy="1420325"/>
-          </a:xfrm>
-          <a:prstGeom prst="rect">
-            <a:avLst/>
-          </a:prstGeom>
-          <a:noFill/>
-        </p:spPr>
-        <p:txBody>
-          <a:bodyPr wrap="square" lIns="91440" tIns="45720" rIns="91440" bIns="45720" anchor="t">
-            <a:spAutoFit/>
-          </a:bodyPr>
-          <a:lstStyle/>
-          <a:p>
-            <a:pPr lvl="0">
-              <a:lnSpc>
-                <a:spcPct val="150000"/>
-              </a:lnSpc>
-            </a:pPr>
-            <a:r>
-              <a:rPr lang="pt-BR" sz="2000" dirty="0">
-                <a:effectLst/>
-                <a:latin typeface="Arial"/>
-                <a:ea typeface="Calibri" panose="020F0502020204030204" pitchFamily="34" charset="0"/>
-                <a:cs typeface="Arial"/>
-              </a:rPr>
-              <a:t>• Aplicativo para computador com nossa Dashboard.</a:t>
-            </a:r>
-            <a:endParaRPr lang="en-US" dirty="0"/>
-          </a:p>
-          <a:p>
-            <a:pPr>
-              <a:lnSpc>
-                <a:spcPct val="150000"/>
-              </a:lnSpc>
-            </a:pPr>
-            <a:r>
-              <a:rPr lang="pt-BR" sz="2000" dirty="0">
-                <a:latin typeface="Arial"/>
-                <a:ea typeface="Calibri" panose="020F0502020204030204" pitchFamily="34" charset="0"/>
-                <a:cs typeface="Arial"/>
-              </a:rPr>
-              <a:t>• Gráficos de gerenciamento do </a:t>
-            </a:r>
-            <a:r>
-              <a:rPr lang="pt-BR" sz="2000" dirty="0" err="1">
-                <a:latin typeface="Arial"/>
-                <a:ea typeface="Calibri" panose="020F0502020204030204" pitchFamily="34" charset="0"/>
-                <a:cs typeface="Arial"/>
-              </a:rPr>
-              <a:t>pix</a:t>
-            </a:r>
-            <a:r>
-              <a:rPr lang="pt-BR" sz="2000" dirty="0">
-                <a:latin typeface="Arial"/>
-                <a:ea typeface="Calibri" panose="020F0502020204030204" pitchFamily="34" charset="0"/>
-                <a:cs typeface="Arial"/>
-              </a:rPr>
-              <a:t>.</a:t>
-            </a:r>
-            <a:endParaRPr lang="pt-BR" sz="2000" dirty="0">
-              <a:effectLst/>
-              <a:latin typeface="Arial"/>
-              <a:ea typeface="Calibri" panose="020F0502020204030204" pitchFamily="34" charset="0"/>
-              <a:cs typeface="Arial"/>
-            </a:endParaRPr>
-          </a:p>
-          <a:p>
-            <a:pPr>
-              <a:lnSpc>
-                <a:spcPct val="150000"/>
-              </a:lnSpc>
-            </a:pPr>
-            <a:r>
-              <a:rPr lang="pt-BR" sz="2000" dirty="0">
-                <a:latin typeface="Arial"/>
-                <a:ea typeface="+mn-lt"/>
-                <a:cs typeface="Arial"/>
-              </a:rPr>
-              <a:t>• </a:t>
-            </a:r>
-            <a:r>
-              <a:rPr lang="pt-BR" sz="2000" dirty="0">
-                <a:latin typeface="Arial"/>
-                <a:cs typeface="Arial"/>
-              </a:rPr>
-              <a:t>Nosso próprio banco digital com aplicativo.</a:t>
-            </a:r>
-            <a:endParaRPr lang="pt-BR">
-              <a:latin typeface="Arial"/>
-              <a:cs typeface="Arial"/>
-            </a:endParaRPr>
-          </a:p>
-        </p:txBody>
-      </p:sp>
-      <p:pic>
-        <p:nvPicPr>
-          <p:cNvPr id="4106" name="Picture 10">
-            <a:extLst>
-              <a:ext uri="{FF2B5EF4-FFF2-40B4-BE49-F238E27FC236}">
-                <a16:creationId xmlns:a16="http://schemas.microsoft.com/office/drawing/2014/main" id="{1441AB79-3698-AD6D-AC06-6BFD97A2D388}"/>
-              </a:ext>
-            </a:extLst>
-          </p:cNvPr>
-          <p:cNvPicPr>
-            <a:picLocks noChangeAspect="1" noChangeArrowheads="1"/>
-          </p:cNvPicPr>
-          <p:nvPr/>
-        </p:nvPicPr>
-        <p:blipFill>
-          <a:blip r:embed="rId4">
-            <a:extLst>
-              <a:ext uri="{28A0092B-C50C-407E-A947-70E740481C1C}">
-                <a14:useLocalDpi xmlns:a14="http://schemas.microsoft.com/office/drawing/2010/main" val="0"/>
-              </a:ext>
-            </a:extLst>
-          </a:blip>
-          <a:srcRect/>
-          <a:stretch>
-            <a:fillRect/>
-          </a:stretch>
-        </p:blipFill>
-        <p:spPr bwMode="auto">
-          <a:xfrm>
-            <a:off x="9830014" y="4818290"/>
-            <a:ext cx="1303827" cy="1303827"/>
-          </a:xfrm>
-          <a:prstGeom prst="rect">
-            <a:avLst/>
-          </a:prstGeom>
-          <a:noFill/>
-          <a:extLst>
-            <a:ext uri="{909E8E84-426E-40DD-AFC4-6F175D3DCCD1}">
-              <a14:hiddenFill xmlns:a14="http://schemas.microsoft.com/office/drawing/2010/main">
-                <a:solidFill>
-                  <a:srgbClr val="FFFFFF"/>
-                </a:solidFill>
-              </a14:hiddenFill>
-            </a:ext>
-          </a:extLst>
-        </p:spPr>
-      </p:pic>
-      <p:pic>
-        <p:nvPicPr>
-          <p:cNvPr id="4108" name="Picture 12">
-            <a:extLst>
-              <a:ext uri="{FF2B5EF4-FFF2-40B4-BE49-F238E27FC236}">
-                <a16:creationId xmlns:a16="http://schemas.microsoft.com/office/drawing/2014/main" id="{F9331CE1-1714-8593-334F-D2A96F864645}"/>
-              </a:ext>
-            </a:extLst>
-          </p:cNvPr>
-          <p:cNvPicPr>
-            <a:picLocks noChangeAspect="1" noChangeArrowheads="1"/>
-          </p:cNvPicPr>
-          <p:nvPr/>
-        </p:nvPicPr>
-        <p:blipFill>
-          <a:blip r:embed="rId5">
-            <a:extLst>
-              <a:ext uri="{28A0092B-C50C-407E-A947-70E740481C1C}">
-                <a14:useLocalDpi xmlns:a14="http://schemas.microsoft.com/office/drawing/2010/main" val="0"/>
-              </a:ext>
-            </a:extLst>
-          </a:blip>
-          <a:srcRect/>
-          <a:stretch>
-            <a:fillRect/>
-          </a:stretch>
-        </p:blipFill>
-        <p:spPr bwMode="auto">
-          <a:xfrm>
-            <a:off x="7488658" y="5028800"/>
-            <a:ext cx="2341356" cy="882806"/>
-          </a:xfrm>
-          <a:prstGeom prst="rect">
-            <a:avLst/>
-          </a:prstGeom>
-          <a:noFill/>
-          <a:extLst>
-            <a:ext uri="{909E8E84-426E-40DD-AFC4-6F175D3DCCD1}">
-              <a14:hiddenFill xmlns:a14="http://schemas.microsoft.com/office/drawing/2010/main">
-                <a:solidFill>
-                  <a:srgbClr val="FFFFFF"/>
-                </a:solidFill>
-              </a14:hiddenFill>
-            </a:ext>
-          </a:extLst>
-        </p:spPr>
-      </p:pic>
     </p:spTree>
     <p:extLst>
       <p:ext uri="{BB962C8B-B14F-4D97-AF65-F5344CB8AC3E}">
-        <p14:creationId xmlns:p14="http://schemas.microsoft.com/office/powerpoint/2010/main" val="2570293226"/>
+        <p14:creationId xmlns:p14="http://schemas.microsoft.com/office/powerpoint/2010/main" val="1550547323"/>
       </p:ext>
     </p:extLst>
   </p:cSld>
@@ -6720,6 +6461,658 @@
                 </a:solidFill>
               </a:rPr>
               <a:t>17</a:t>
+            </a:r>
+          </a:p>
+        </p:txBody>
+      </p:sp>
+      <p:sp>
+        <p:nvSpPr>
+          <p:cNvPr id="14" name="CaixaDeTexto 15">
+            <a:extLst>
+              <a:ext uri="{FF2B5EF4-FFF2-40B4-BE49-F238E27FC236}">
+                <a16:creationId xmlns:a16="http://schemas.microsoft.com/office/drawing/2014/main" id="{3F9DE946-682B-74E3-FF45-9B017DE8BBC7}"/>
+              </a:ext>
+            </a:extLst>
+          </p:cNvPr>
+          <p:cNvSpPr txBox="1"/>
+          <p:nvPr/>
+        </p:nvSpPr>
+        <p:spPr>
+          <a:xfrm>
+            <a:off x="0" y="0"/>
+            <a:ext cx="12192000" cy="1107399"/>
+          </a:xfrm>
+          <a:prstGeom prst="rect">
+            <a:avLst/>
+          </a:prstGeom>
+          <a:solidFill>
+            <a:srgbClr val="92D050"/>
+          </a:solidFill>
+          <a:ln>
+            <a:solidFill>
+              <a:srgbClr val="92D050"/>
+            </a:solidFill>
+          </a:ln>
+        </p:spPr>
+        <p:txBody>
+          <a:bodyPr wrap="square" rtlCol="0">
+            <a:spAutoFit/>
+          </a:bodyPr>
+          <a:lstStyle>
+            <a:defPPr>
+              <a:defRPr lang="pt-BR"/>
+            </a:defPPr>
+            <a:lvl1pPr marL="0" algn="l" defTabSz="914400" rtl="0" eaLnBrk="1" latinLnBrk="0" hangingPunct="1">
+              <a:defRPr sz="1800" kern="1200">
+                <a:solidFill>
+                  <a:schemeClr val="tx1"/>
+                </a:solidFill>
+                <a:latin typeface="+mn-lt"/>
+                <a:ea typeface="+mn-ea"/>
+                <a:cs typeface="+mn-cs"/>
+              </a:defRPr>
+            </a:lvl1pPr>
+            <a:lvl2pPr marL="457200" algn="l" defTabSz="914400" rtl="0" eaLnBrk="1" latinLnBrk="0" hangingPunct="1">
+              <a:defRPr sz="1800" kern="1200">
+                <a:solidFill>
+                  <a:schemeClr val="tx1"/>
+                </a:solidFill>
+                <a:latin typeface="+mn-lt"/>
+                <a:ea typeface="+mn-ea"/>
+                <a:cs typeface="+mn-cs"/>
+              </a:defRPr>
+            </a:lvl2pPr>
+            <a:lvl3pPr marL="914400" algn="l" defTabSz="914400" rtl="0" eaLnBrk="1" latinLnBrk="0" hangingPunct="1">
+              <a:defRPr sz="1800" kern="1200">
+                <a:solidFill>
+                  <a:schemeClr val="tx1"/>
+                </a:solidFill>
+                <a:latin typeface="+mn-lt"/>
+                <a:ea typeface="+mn-ea"/>
+                <a:cs typeface="+mn-cs"/>
+              </a:defRPr>
+            </a:lvl3pPr>
+            <a:lvl4pPr marL="1371600" algn="l" defTabSz="914400" rtl="0" eaLnBrk="1" latinLnBrk="0" hangingPunct="1">
+              <a:defRPr sz="1800" kern="1200">
+                <a:solidFill>
+                  <a:schemeClr val="tx1"/>
+                </a:solidFill>
+                <a:latin typeface="+mn-lt"/>
+                <a:ea typeface="+mn-ea"/>
+                <a:cs typeface="+mn-cs"/>
+              </a:defRPr>
+            </a:lvl4pPr>
+            <a:lvl5pPr marL="1828800" algn="l" defTabSz="914400" rtl="0" eaLnBrk="1" latinLnBrk="0" hangingPunct="1">
+              <a:defRPr sz="1800" kern="1200">
+                <a:solidFill>
+                  <a:schemeClr val="tx1"/>
+                </a:solidFill>
+                <a:latin typeface="+mn-lt"/>
+                <a:ea typeface="+mn-ea"/>
+                <a:cs typeface="+mn-cs"/>
+              </a:defRPr>
+            </a:lvl5pPr>
+            <a:lvl6pPr marL="2286000" algn="l" defTabSz="914400" rtl="0" eaLnBrk="1" latinLnBrk="0" hangingPunct="1">
+              <a:defRPr sz="1800" kern="1200">
+                <a:solidFill>
+                  <a:schemeClr val="tx1"/>
+                </a:solidFill>
+                <a:latin typeface="+mn-lt"/>
+                <a:ea typeface="+mn-ea"/>
+                <a:cs typeface="+mn-cs"/>
+              </a:defRPr>
+            </a:lvl6pPr>
+            <a:lvl7pPr marL="2743200" algn="l" defTabSz="914400" rtl="0" eaLnBrk="1" latinLnBrk="0" hangingPunct="1">
+              <a:defRPr sz="1800" kern="1200">
+                <a:solidFill>
+                  <a:schemeClr val="tx1"/>
+                </a:solidFill>
+                <a:latin typeface="+mn-lt"/>
+                <a:ea typeface="+mn-ea"/>
+                <a:cs typeface="+mn-cs"/>
+              </a:defRPr>
+            </a:lvl7pPr>
+            <a:lvl8pPr marL="3200400" algn="l" defTabSz="914400" rtl="0" eaLnBrk="1" latinLnBrk="0" hangingPunct="1">
+              <a:defRPr sz="1800" kern="1200">
+                <a:solidFill>
+                  <a:schemeClr val="tx1"/>
+                </a:solidFill>
+                <a:latin typeface="+mn-lt"/>
+                <a:ea typeface="+mn-ea"/>
+                <a:cs typeface="+mn-cs"/>
+              </a:defRPr>
+            </a:lvl8pPr>
+            <a:lvl9pPr marL="3657600" algn="l" defTabSz="914400" rtl="0" eaLnBrk="1" latinLnBrk="0" hangingPunct="1">
+              <a:defRPr sz="1800" kern="1200">
+                <a:solidFill>
+                  <a:schemeClr val="tx1"/>
+                </a:solidFill>
+                <a:latin typeface="+mn-lt"/>
+                <a:ea typeface="+mn-ea"/>
+                <a:cs typeface="+mn-cs"/>
+              </a:defRPr>
+            </a:lvl9pPr>
+          </a:lstStyle>
+          <a:p>
+            <a:endParaRPr lang="pt-BR"/>
+          </a:p>
+        </p:txBody>
+      </p:sp>
+      <p:sp>
+        <p:nvSpPr>
+          <p:cNvPr id="16" name="CaixaDeTexto 3">
+            <a:extLst>
+              <a:ext uri="{FF2B5EF4-FFF2-40B4-BE49-F238E27FC236}">
+                <a16:creationId xmlns:a16="http://schemas.microsoft.com/office/drawing/2014/main" id="{E8FA7018-03CD-AAD7-3D96-965C78743A79}"/>
+              </a:ext>
+            </a:extLst>
+          </p:cNvPr>
+          <p:cNvSpPr txBox="1"/>
+          <p:nvPr/>
+        </p:nvSpPr>
+        <p:spPr>
+          <a:xfrm>
+            <a:off x="4944514" y="292089"/>
+            <a:ext cx="2302971" cy="523220"/>
+          </a:xfrm>
+          <a:prstGeom prst="rect">
+            <a:avLst/>
+          </a:prstGeom>
+          <a:noFill/>
+        </p:spPr>
+        <p:txBody>
+          <a:bodyPr wrap="square" lIns="91440" tIns="45720" rIns="91440" bIns="45720" rtlCol="0" anchor="t">
+            <a:spAutoFit/>
+          </a:bodyPr>
+          <a:lstStyle>
+            <a:defPPr>
+              <a:defRPr lang="pt-BR"/>
+            </a:defPPr>
+            <a:lvl1pPr marL="0" algn="l" defTabSz="914400" rtl="0" eaLnBrk="1" latinLnBrk="0" hangingPunct="1">
+              <a:defRPr sz="1800" kern="1200">
+                <a:solidFill>
+                  <a:schemeClr val="tx1"/>
+                </a:solidFill>
+                <a:latin typeface="+mn-lt"/>
+                <a:ea typeface="+mn-ea"/>
+                <a:cs typeface="+mn-cs"/>
+              </a:defRPr>
+            </a:lvl1pPr>
+            <a:lvl2pPr marL="457200" algn="l" defTabSz="914400" rtl="0" eaLnBrk="1" latinLnBrk="0" hangingPunct="1">
+              <a:defRPr sz="1800" kern="1200">
+                <a:solidFill>
+                  <a:schemeClr val="tx1"/>
+                </a:solidFill>
+                <a:latin typeface="+mn-lt"/>
+                <a:ea typeface="+mn-ea"/>
+                <a:cs typeface="+mn-cs"/>
+              </a:defRPr>
+            </a:lvl2pPr>
+            <a:lvl3pPr marL="914400" algn="l" defTabSz="914400" rtl="0" eaLnBrk="1" latinLnBrk="0" hangingPunct="1">
+              <a:defRPr sz="1800" kern="1200">
+                <a:solidFill>
+                  <a:schemeClr val="tx1"/>
+                </a:solidFill>
+                <a:latin typeface="+mn-lt"/>
+                <a:ea typeface="+mn-ea"/>
+                <a:cs typeface="+mn-cs"/>
+              </a:defRPr>
+            </a:lvl3pPr>
+            <a:lvl4pPr marL="1371600" algn="l" defTabSz="914400" rtl="0" eaLnBrk="1" latinLnBrk="0" hangingPunct="1">
+              <a:defRPr sz="1800" kern="1200">
+                <a:solidFill>
+                  <a:schemeClr val="tx1"/>
+                </a:solidFill>
+                <a:latin typeface="+mn-lt"/>
+                <a:ea typeface="+mn-ea"/>
+                <a:cs typeface="+mn-cs"/>
+              </a:defRPr>
+            </a:lvl4pPr>
+            <a:lvl5pPr marL="1828800" algn="l" defTabSz="914400" rtl="0" eaLnBrk="1" latinLnBrk="0" hangingPunct="1">
+              <a:defRPr sz="1800" kern="1200">
+                <a:solidFill>
+                  <a:schemeClr val="tx1"/>
+                </a:solidFill>
+                <a:latin typeface="+mn-lt"/>
+                <a:ea typeface="+mn-ea"/>
+                <a:cs typeface="+mn-cs"/>
+              </a:defRPr>
+            </a:lvl5pPr>
+            <a:lvl6pPr marL="2286000" algn="l" defTabSz="914400" rtl="0" eaLnBrk="1" latinLnBrk="0" hangingPunct="1">
+              <a:defRPr sz="1800" kern="1200">
+                <a:solidFill>
+                  <a:schemeClr val="tx1"/>
+                </a:solidFill>
+                <a:latin typeface="+mn-lt"/>
+                <a:ea typeface="+mn-ea"/>
+                <a:cs typeface="+mn-cs"/>
+              </a:defRPr>
+            </a:lvl6pPr>
+            <a:lvl7pPr marL="2743200" algn="l" defTabSz="914400" rtl="0" eaLnBrk="1" latinLnBrk="0" hangingPunct="1">
+              <a:defRPr sz="1800" kern="1200">
+                <a:solidFill>
+                  <a:schemeClr val="tx1"/>
+                </a:solidFill>
+                <a:latin typeface="+mn-lt"/>
+                <a:ea typeface="+mn-ea"/>
+                <a:cs typeface="+mn-cs"/>
+              </a:defRPr>
+            </a:lvl7pPr>
+            <a:lvl8pPr marL="3200400" algn="l" defTabSz="914400" rtl="0" eaLnBrk="1" latinLnBrk="0" hangingPunct="1">
+              <a:defRPr sz="1800" kern="1200">
+                <a:solidFill>
+                  <a:schemeClr val="tx1"/>
+                </a:solidFill>
+                <a:latin typeface="+mn-lt"/>
+                <a:ea typeface="+mn-ea"/>
+                <a:cs typeface="+mn-cs"/>
+              </a:defRPr>
+            </a:lvl8pPr>
+            <a:lvl9pPr marL="3657600" algn="l" defTabSz="914400" rtl="0" eaLnBrk="1" latinLnBrk="0" hangingPunct="1">
+              <a:defRPr sz="1800" kern="1200">
+                <a:solidFill>
+                  <a:schemeClr val="tx1"/>
+                </a:solidFill>
+                <a:latin typeface="+mn-lt"/>
+                <a:ea typeface="+mn-ea"/>
+                <a:cs typeface="+mn-cs"/>
+              </a:defRPr>
+            </a:lvl9pPr>
+          </a:lstStyle>
+          <a:p>
+            <a:r>
+              <a:rPr lang="pt-BR" sz="2800" b="1">
+                <a:latin typeface="Arial" panose="020B0604020202020204" pitchFamily="34" charset="0"/>
+                <a:cs typeface="Arial" panose="020B0604020202020204" pitchFamily="34" charset="0"/>
+              </a:rPr>
+              <a:t>INOVAÇÕES</a:t>
+            </a:r>
+          </a:p>
+        </p:txBody>
+      </p:sp>
+      <p:pic>
+        <p:nvPicPr>
+          <p:cNvPr id="4100" name="Picture 4">
+            <a:extLst>
+              <a:ext uri="{FF2B5EF4-FFF2-40B4-BE49-F238E27FC236}">
+                <a16:creationId xmlns:a16="http://schemas.microsoft.com/office/drawing/2014/main" id="{D35EE49E-E1D3-1B2A-C69C-33A96F5B4989}"/>
+              </a:ext>
+            </a:extLst>
+          </p:cNvPr>
+          <p:cNvPicPr>
+            <a:picLocks noChangeAspect="1" noChangeArrowheads="1"/>
+          </p:cNvPicPr>
+          <p:nvPr/>
+        </p:nvPicPr>
+        <p:blipFill>
+          <a:blip r:embed="rId2">
+            <a:extLst>
+              <a:ext uri="{28A0092B-C50C-407E-A947-70E740481C1C}">
+                <a14:useLocalDpi xmlns:a14="http://schemas.microsoft.com/office/drawing/2010/main" val="0"/>
+              </a:ext>
+            </a:extLst>
+          </a:blip>
+          <a:srcRect/>
+          <a:stretch>
+            <a:fillRect/>
+          </a:stretch>
+        </p:blipFill>
+        <p:spPr bwMode="auto">
+          <a:xfrm>
+            <a:off x="3555348" y="4421327"/>
+            <a:ext cx="1724722" cy="1724722"/>
+          </a:xfrm>
+          <a:prstGeom prst="rect">
+            <a:avLst/>
+          </a:prstGeom>
+          <a:noFill/>
+          <a:extLst>
+            <a:ext uri="{909E8E84-426E-40DD-AFC4-6F175D3DCCD1}">
+              <a14:hiddenFill xmlns:a14="http://schemas.microsoft.com/office/drawing/2010/main">
+                <a:solidFill>
+                  <a:srgbClr val="FFFFFF"/>
+                </a:solidFill>
+              </a14:hiddenFill>
+            </a:ext>
+          </a:extLst>
+        </p:spPr>
+      </p:pic>
+      <p:pic>
+        <p:nvPicPr>
+          <p:cNvPr id="4102" name="Picture 6">
+            <a:extLst>
+              <a:ext uri="{FF2B5EF4-FFF2-40B4-BE49-F238E27FC236}">
+                <a16:creationId xmlns:a16="http://schemas.microsoft.com/office/drawing/2014/main" id="{4D114401-A74C-FEB4-4716-88541316F61C}"/>
+              </a:ext>
+            </a:extLst>
+          </p:cNvPr>
+          <p:cNvPicPr>
+            <a:picLocks noChangeAspect="1" noChangeArrowheads="1"/>
+          </p:cNvPicPr>
+          <p:nvPr/>
+        </p:nvPicPr>
+        <p:blipFill>
+          <a:blip r:embed="rId3">
+            <a:extLst>
+              <a:ext uri="{28A0092B-C50C-407E-A947-70E740481C1C}">
+                <a14:useLocalDpi xmlns:a14="http://schemas.microsoft.com/office/drawing/2010/main" val="0"/>
+              </a:ext>
+            </a:extLst>
+          </a:blip>
+          <a:srcRect/>
+          <a:stretch>
+            <a:fillRect/>
+          </a:stretch>
+        </p:blipFill>
+        <p:spPr bwMode="auto">
+          <a:xfrm>
+            <a:off x="864648" y="4127256"/>
+            <a:ext cx="2404946" cy="2404946"/>
+          </a:xfrm>
+          <a:prstGeom prst="rect">
+            <a:avLst/>
+          </a:prstGeom>
+          <a:noFill/>
+          <a:extLst>
+            <a:ext uri="{909E8E84-426E-40DD-AFC4-6F175D3DCCD1}">
+              <a14:hiddenFill xmlns:a14="http://schemas.microsoft.com/office/drawing/2010/main">
+                <a:solidFill>
+                  <a:srgbClr val="FFFFFF"/>
+                </a:solidFill>
+              </a14:hiddenFill>
+            </a:ext>
+          </a:extLst>
+        </p:spPr>
+      </p:pic>
+      <p:sp>
+        <p:nvSpPr>
+          <p:cNvPr id="3" name="CaixaDeTexto 2">
+            <a:extLst>
+              <a:ext uri="{FF2B5EF4-FFF2-40B4-BE49-F238E27FC236}">
+                <a16:creationId xmlns:a16="http://schemas.microsoft.com/office/drawing/2014/main" id="{A5619602-24C3-E4A0-B7C5-79008E9727C9}"/>
+              </a:ext>
+            </a:extLst>
+          </p:cNvPr>
+          <p:cNvSpPr txBox="1"/>
+          <p:nvPr/>
+        </p:nvSpPr>
+        <p:spPr>
+          <a:xfrm>
+            <a:off x="737401" y="1629947"/>
+            <a:ext cx="10625691" cy="1420325"/>
+          </a:xfrm>
+          <a:prstGeom prst="rect">
+            <a:avLst/>
+          </a:prstGeom>
+          <a:noFill/>
+        </p:spPr>
+        <p:txBody>
+          <a:bodyPr wrap="square" lIns="91440" tIns="45720" rIns="91440" bIns="45720" anchor="t">
+            <a:spAutoFit/>
+          </a:bodyPr>
+          <a:lstStyle/>
+          <a:p>
+            <a:pPr lvl="0">
+              <a:lnSpc>
+                <a:spcPct val="150000"/>
+              </a:lnSpc>
+            </a:pPr>
+            <a:r>
+              <a:rPr lang="pt-BR" sz="2000" dirty="0">
+                <a:effectLst/>
+                <a:latin typeface="Arial"/>
+                <a:ea typeface="Calibri" panose="020F0502020204030204" pitchFamily="34" charset="0"/>
+                <a:cs typeface="Arial"/>
+              </a:rPr>
+              <a:t>• Aplicativo para computador com nossa Dashboard.</a:t>
+            </a:r>
+            <a:endParaRPr lang="en-US" dirty="0"/>
+          </a:p>
+          <a:p>
+            <a:pPr>
+              <a:lnSpc>
+                <a:spcPct val="150000"/>
+              </a:lnSpc>
+            </a:pPr>
+            <a:r>
+              <a:rPr lang="pt-BR" sz="2000" dirty="0">
+                <a:latin typeface="Arial"/>
+                <a:ea typeface="Calibri" panose="020F0502020204030204" pitchFamily="34" charset="0"/>
+                <a:cs typeface="Arial"/>
+              </a:rPr>
+              <a:t>• Gráficos de gerenciamento do </a:t>
+            </a:r>
+            <a:r>
+              <a:rPr lang="pt-BR" sz="2000" dirty="0" err="1">
+                <a:latin typeface="Arial"/>
+                <a:ea typeface="Calibri" panose="020F0502020204030204" pitchFamily="34" charset="0"/>
+                <a:cs typeface="Arial"/>
+              </a:rPr>
+              <a:t>pix</a:t>
+            </a:r>
+            <a:r>
+              <a:rPr lang="pt-BR" sz="2000" dirty="0">
+                <a:latin typeface="Arial"/>
+                <a:ea typeface="Calibri" panose="020F0502020204030204" pitchFamily="34" charset="0"/>
+                <a:cs typeface="Arial"/>
+              </a:rPr>
+              <a:t>.</a:t>
+            </a:r>
+            <a:endParaRPr lang="pt-BR" sz="2000" dirty="0">
+              <a:effectLst/>
+              <a:latin typeface="Arial"/>
+              <a:ea typeface="Calibri" panose="020F0502020204030204" pitchFamily="34" charset="0"/>
+              <a:cs typeface="Arial"/>
+            </a:endParaRPr>
+          </a:p>
+          <a:p>
+            <a:pPr>
+              <a:lnSpc>
+                <a:spcPct val="150000"/>
+              </a:lnSpc>
+            </a:pPr>
+            <a:r>
+              <a:rPr lang="pt-BR" sz="2000" dirty="0">
+                <a:latin typeface="Arial"/>
+                <a:ea typeface="+mn-lt"/>
+                <a:cs typeface="Arial"/>
+              </a:rPr>
+              <a:t>• </a:t>
+            </a:r>
+            <a:r>
+              <a:rPr lang="pt-BR" sz="2000" dirty="0">
+                <a:latin typeface="Arial"/>
+                <a:cs typeface="Arial"/>
+              </a:rPr>
+              <a:t>Nosso próprio banco digital com aplicativo.</a:t>
+            </a:r>
+            <a:endParaRPr lang="pt-BR">
+              <a:latin typeface="Arial"/>
+              <a:cs typeface="Arial"/>
+            </a:endParaRPr>
+          </a:p>
+        </p:txBody>
+      </p:sp>
+      <p:pic>
+        <p:nvPicPr>
+          <p:cNvPr id="4106" name="Picture 10">
+            <a:extLst>
+              <a:ext uri="{FF2B5EF4-FFF2-40B4-BE49-F238E27FC236}">
+                <a16:creationId xmlns:a16="http://schemas.microsoft.com/office/drawing/2014/main" id="{1441AB79-3698-AD6D-AC06-6BFD97A2D388}"/>
+              </a:ext>
+            </a:extLst>
+          </p:cNvPr>
+          <p:cNvPicPr>
+            <a:picLocks noChangeAspect="1" noChangeArrowheads="1"/>
+          </p:cNvPicPr>
+          <p:nvPr/>
+        </p:nvPicPr>
+        <p:blipFill>
+          <a:blip r:embed="rId4">
+            <a:extLst>
+              <a:ext uri="{28A0092B-C50C-407E-A947-70E740481C1C}">
+                <a14:useLocalDpi xmlns:a14="http://schemas.microsoft.com/office/drawing/2010/main" val="0"/>
+              </a:ext>
+            </a:extLst>
+          </a:blip>
+          <a:srcRect/>
+          <a:stretch>
+            <a:fillRect/>
+          </a:stretch>
+        </p:blipFill>
+        <p:spPr bwMode="auto">
+          <a:xfrm>
+            <a:off x="9830014" y="4818290"/>
+            <a:ext cx="1303827" cy="1303827"/>
+          </a:xfrm>
+          <a:prstGeom prst="rect">
+            <a:avLst/>
+          </a:prstGeom>
+          <a:noFill/>
+          <a:extLst>
+            <a:ext uri="{909E8E84-426E-40DD-AFC4-6F175D3DCCD1}">
+              <a14:hiddenFill xmlns:a14="http://schemas.microsoft.com/office/drawing/2010/main">
+                <a:solidFill>
+                  <a:srgbClr val="FFFFFF"/>
+                </a:solidFill>
+              </a14:hiddenFill>
+            </a:ext>
+          </a:extLst>
+        </p:spPr>
+      </p:pic>
+      <p:pic>
+        <p:nvPicPr>
+          <p:cNvPr id="4108" name="Picture 12">
+            <a:extLst>
+              <a:ext uri="{FF2B5EF4-FFF2-40B4-BE49-F238E27FC236}">
+                <a16:creationId xmlns:a16="http://schemas.microsoft.com/office/drawing/2014/main" id="{F9331CE1-1714-8593-334F-D2A96F864645}"/>
+              </a:ext>
+            </a:extLst>
+          </p:cNvPr>
+          <p:cNvPicPr>
+            <a:picLocks noChangeAspect="1" noChangeArrowheads="1"/>
+          </p:cNvPicPr>
+          <p:nvPr/>
+        </p:nvPicPr>
+        <p:blipFill>
+          <a:blip r:embed="rId5">
+            <a:extLst>
+              <a:ext uri="{28A0092B-C50C-407E-A947-70E740481C1C}">
+                <a14:useLocalDpi xmlns:a14="http://schemas.microsoft.com/office/drawing/2010/main" val="0"/>
+              </a:ext>
+            </a:extLst>
+          </a:blip>
+          <a:srcRect/>
+          <a:stretch>
+            <a:fillRect/>
+          </a:stretch>
+        </p:blipFill>
+        <p:spPr bwMode="auto">
+          <a:xfrm>
+            <a:off x="7488658" y="5028800"/>
+            <a:ext cx="2341356" cy="882806"/>
+          </a:xfrm>
+          <a:prstGeom prst="rect">
+            <a:avLst/>
+          </a:prstGeom>
+          <a:noFill/>
+          <a:extLst>
+            <a:ext uri="{909E8E84-426E-40DD-AFC4-6F175D3DCCD1}">
+              <a14:hiddenFill xmlns:a14="http://schemas.microsoft.com/office/drawing/2010/main">
+                <a:solidFill>
+                  <a:srgbClr val="FFFFFF"/>
+                </a:solidFill>
+              </a14:hiddenFill>
+            </a:ext>
+          </a:extLst>
+        </p:spPr>
+      </p:pic>
+    </p:spTree>
+    <p:extLst>
+      <p:ext uri="{BB962C8B-B14F-4D97-AF65-F5344CB8AC3E}">
+        <p14:creationId xmlns:p14="http://schemas.microsoft.com/office/powerpoint/2010/main" val="2570293226"/>
+      </p:ext>
+    </p:extLst>
+  </p:cSld>
+  <p:clrMapOvr>
+    <a:masterClrMapping/>
+  </p:clrMapOvr>
+</p:sld>
+</file>
+
+<file path=ppt/slides/slide18.xml><?xml version="1.0" encoding="utf-8"?>
+<p:sld xmlns:a="http://schemas.openxmlformats.org/drawingml/2006/main" xmlns:r="http://schemas.openxmlformats.org/officeDocument/2006/relationships" xmlns:p="http://schemas.openxmlformats.org/presentationml/2006/main">
+  <p:cSld>
+    <p:spTree>
+      <p:nvGrpSpPr>
+        <p:cNvPr id="1" name=""/>
+        <p:cNvGrpSpPr/>
+        <p:nvPr/>
+      </p:nvGrpSpPr>
+      <p:grpSpPr>
+        <a:xfrm>
+          <a:off x="0" y="0"/>
+          <a:ext cx="0" cy="0"/>
+          <a:chOff x="0" y="0"/>
+          <a:chExt cx="0" cy="0"/>
+        </a:xfrm>
+      </p:grpSpPr>
+      <p:sp>
+        <p:nvSpPr>
+          <p:cNvPr id="7" name="Fluxograma: Dados Armazenados 6">
+            <a:extLst>
+              <a:ext uri="{FF2B5EF4-FFF2-40B4-BE49-F238E27FC236}">
+                <a16:creationId xmlns:a16="http://schemas.microsoft.com/office/drawing/2014/main" id="{7A95424D-B93A-B0C0-2EE5-523E9C02FE68}"/>
+              </a:ext>
+            </a:extLst>
+          </p:cNvPr>
+          <p:cNvSpPr/>
+          <p:nvPr/>
+        </p:nvSpPr>
+        <p:spPr>
+          <a:xfrm>
+            <a:off x="11483163" y="6230679"/>
+            <a:ext cx="1590399" cy="627321"/>
+          </a:xfrm>
+          <a:prstGeom prst="flowChartOnlineStorage">
+            <a:avLst/>
+          </a:prstGeom>
+          <a:solidFill>
+            <a:srgbClr val="92D050"/>
+          </a:solidFill>
+          <a:ln>
+            <a:solidFill>
+              <a:srgbClr val="92D050"/>
+            </a:solidFill>
+          </a:ln>
+        </p:spPr>
+        <p:style>
+          <a:lnRef idx="2">
+            <a:schemeClr val="accent1">
+              <a:shade val="50000"/>
+            </a:schemeClr>
+          </a:lnRef>
+          <a:fillRef idx="1">
+            <a:schemeClr val="accent1"/>
+          </a:fillRef>
+          <a:effectRef idx="0">
+            <a:schemeClr val="accent1"/>
+          </a:effectRef>
+          <a:fontRef idx="minor">
+            <a:schemeClr val="lt1"/>
+          </a:fontRef>
+        </p:style>
+        <p:txBody>
+          <a:bodyPr lIns="91440" tIns="45720" rIns="91440" bIns="45720" rtlCol="0" anchor="ctr"/>
+          <a:lstStyle/>
+          <a:p>
+            <a:r>
+              <a:rPr lang="pt-BR" dirty="0">
+                <a:solidFill>
+                  <a:schemeClr val="tx1"/>
+                </a:solidFill>
+              </a:rPr>
+              <a:t>18</a:t>
             </a:r>
           </a:p>
         </p:txBody>
